--- a/אורה טולדנו/אורה טולדנו.pptx
+++ b/אורה טולדנו/אורה טולדנו.pptx
@@ -5,7 +5,7 @@
     <p:sldMasterId id="2147483648" r:id="rId1"/>
   </p:sldMasterIdLst>
   <p:notesMasterIdLst>
-    <p:notesMasterId r:id="rId37"/>
+    <p:notesMasterId r:id="rId38"/>
   </p:notesMasterIdLst>
   <p:sldIdLst>
     <p:sldId id="256" r:id="rId2"/>
@@ -43,6 +43,7 @@
     <p:sldId id="272" r:id="rId34"/>
     <p:sldId id="265" r:id="rId35"/>
     <p:sldId id="266" r:id="rId36"/>
+    <p:sldId id="303" r:id="rId37"/>
   </p:sldIdLst>
   <p:sldSz cx="12192000" cy="6858000"/>
   <p:notesSz cx="6858000" cy="9144000"/>
@@ -243,7 +244,7 @@
           <a:p>
             <a:fld id="{1BE7C5A4-E9E3-4ED2-8835-6D1E28710864}" type="datetimeFigureOut">
               <a:rPr lang="he-IL" smtClean="0"/>
-              <a:t>ג'/אב/תשפ"ד</a:t>
+              <a:t>ד'/אב/תשפ"ד</a:t>
             </a:fld>
             <a:endParaRPr lang="he-IL"/>
           </a:p>
@@ -657,7 +658,7 @@
           <a:p>
             <a:fld id="{7110408D-4D6A-4233-B901-A42DB29C59AC}" type="datetimeFigureOut">
               <a:rPr lang="he-IL" smtClean="0"/>
-              <a:t>ג'/אב/תשפ"ד</a:t>
+              <a:t>ד'/אב/תשפ"ד</a:t>
             </a:fld>
             <a:endParaRPr lang="he-IL"/>
           </a:p>
@@ -855,7 +856,7 @@
           <a:p>
             <a:fld id="{7110408D-4D6A-4233-B901-A42DB29C59AC}" type="datetimeFigureOut">
               <a:rPr lang="he-IL" smtClean="0"/>
-              <a:t>ג'/אב/תשפ"ד</a:t>
+              <a:t>ד'/אב/תשפ"ד</a:t>
             </a:fld>
             <a:endParaRPr lang="he-IL"/>
           </a:p>
@@ -1063,7 +1064,7 @@
           <a:p>
             <a:fld id="{7110408D-4D6A-4233-B901-A42DB29C59AC}" type="datetimeFigureOut">
               <a:rPr lang="he-IL" smtClean="0"/>
-              <a:t>ג'/אב/תשפ"ד</a:t>
+              <a:t>ד'/אב/תשפ"ד</a:t>
             </a:fld>
             <a:endParaRPr lang="he-IL"/>
           </a:p>
@@ -1261,7 +1262,7 @@
           <a:p>
             <a:fld id="{7110408D-4D6A-4233-B901-A42DB29C59AC}" type="datetimeFigureOut">
               <a:rPr lang="he-IL" smtClean="0"/>
-              <a:t>ג'/אב/תשפ"ד</a:t>
+              <a:t>ד'/אב/תשפ"ד</a:t>
             </a:fld>
             <a:endParaRPr lang="he-IL"/>
           </a:p>
@@ -1536,7 +1537,7 @@
           <a:p>
             <a:fld id="{7110408D-4D6A-4233-B901-A42DB29C59AC}" type="datetimeFigureOut">
               <a:rPr lang="he-IL" smtClean="0"/>
-              <a:t>ג'/אב/תשפ"ד</a:t>
+              <a:t>ד'/אב/תשפ"ד</a:t>
             </a:fld>
             <a:endParaRPr lang="he-IL"/>
           </a:p>
@@ -1801,7 +1802,7 @@
           <a:p>
             <a:fld id="{7110408D-4D6A-4233-B901-A42DB29C59AC}" type="datetimeFigureOut">
               <a:rPr lang="he-IL" smtClean="0"/>
-              <a:t>ג'/אב/תשפ"ד</a:t>
+              <a:t>ד'/אב/תשפ"ד</a:t>
             </a:fld>
             <a:endParaRPr lang="he-IL"/>
           </a:p>
@@ -2213,7 +2214,7 @@
           <a:p>
             <a:fld id="{7110408D-4D6A-4233-B901-A42DB29C59AC}" type="datetimeFigureOut">
               <a:rPr lang="he-IL" smtClean="0"/>
-              <a:t>ג'/אב/תשפ"ד</a:t>
+              <a:t>ד'/אב/תשפ"ד</a:t>
             </a:fld>
             <a:endParaRPr lang="he-IL"/>
           </a:p>
@@ -2354,7 +2355,7 @@
           <a:p>
             <a:fld id="{7110408D-4D6A-4233-B901-A42DB29C59AC}" type="datetimeFigureOut">
               <a:rPr lang="he-IL" smtClean="0"/>
-              <a:t>ג'/אב/תשפ"ד</a:t>
+              <a:t>ד'/אב/תשפ"ד</a:t>
             </a:fld>
             <a:endParaRPr lang="he-IL"/>
           </a:p>
@@ -2467,7 +2468,7 @@
           <a:p>
             <a:fld id="{7110408D-4D6A-4233-B901-A42DB29C59AC}" type="datetimeFigureOut">
               <a:rPr lang="he-IL" smtClean="0"/>
-              <a:t>ג'/אב/תשפ"ד</a:t>
+              <a:t>ד'/אב/תשפ"ד</a:t>
             </a:fld>
             <a:endParaRPr lang="he-IL"/>
           </a:p>
@@ -2778,7 +2779,7 @@
           <a:p>
             <a:fld id="{7110408D-4D6A-4233-B901-A42DB29C59AC}" type="datetimeFigureOut">
               <a:rPr lang="he-IL" smtClean="0"/>
-              <a:t>ג'/אב/תשפ"ד</a:t>
+              <a:t>ד'/אב/תשפ"ד</a:t>
             </a:fld>
             <a:endParaRPr lang="he-IL"/>
           </a:p>
@@ -3066,7 +3067,7 @@
           <a:p>
             <a:fld id="{7110408D-4D6A-4233-B901-A42DB29C59AC}" type="datetimeFigureOut">
               <a:rPr lang="he-IL" smtClean="0"/>
-              <a:t>ג'/אב/תשפ"ד</a:t>
+              <a:t>ד'/אב/תשפ"ד</a:t>
             </a:fld>
             <a:endParaRPr lang="he-IL"/>
           </a:p>
@@ -3307,7 +3308,7 @@
           <a:p>
             <a:fld id="{7110408D-4D6A-4233-B901-A42DB29C59AC}" type="datetimeFigureOut">
               <a:rPr lang="he-IL" smtClean="0"/>
-              <a:t>ג'/אב/תשפ"ד</a:t>
+              <a:t>ד'/אב/תשפ"ד</a:t>
             </a:fld>
             <a:endParaRPr lang="he-IL"/>
           </a:p>
@@ -13215,6 +13216,165 @@
     <p:extLst>
       <p:ext uri="{BB962C8B-B14F-4D97-AF65-F5344CB8AC3E}">
         <p14:creationId xmlns:p14="http://schemas.microsoft.com/office/powerpoint/2010/main" val="1655816576"/>
+      </p:ext>
+    </p:extLst>
+  </p:cSld>
+  <p:clrMapOvr>
+    <a:masterClrMapping/>
+  </p:clrMapOvr>
+</p:sld>
+</file>
+
+<file path=ppt/slides/slide36.xml><?xml version="1.0" encoding="utf-8"?>
+<p:sld xmlns:a="http://schemas.openxmlformats.org/drawingml/2006/main" xmlns:r="http://schemas.openxmlformats.org/officeDocument/2006/relationships" xmlns:p="http://schemas.openxmlformats.org/presentationml/2006/main">
+  <p:cSld>
+    <p:spTree>
+      <p:nvGrpSpPr>
+        <p:cNvPr id="1" name=""/>
+        <p:cNvGrpSpPr/>
+        <p:nvPr/>
+      </p:nvGrpSpPr>
+      <p:grpSpPr>
+        <a:xfrm>
+          <a:off x="0" y="0"/>
+          <a:ext cx="0" cy="0"/>
+          <a:chOff x="0" y="0"/>
+          <a:chExt cx="0" cy="0"/>
+        </a:xfrm>
+      </p:grpSpPr>
+      <p:sp>
+        <p:nvSpPr>
+          <p:cNvPr id="2" name="כותרת 1">
+            <a:extLst>
+              <a:ext uri="{FF2B5EF4-FFF2-40B4-BE49-F238E27FC236}">
+                <a16:creationId xmlns:a16="http://schemas.microsoft.com/office/drawing/2014/main" id="{DA1B7BD4-CE19-12EA-8EED-12B635472866}"/>
+              </a:ext>
+            </a:extLst>
+          </p:cNvPr>
+          <p:cNvSpPr>
+            <a:spLocks noGrp="1"/>
+          </p:cNvSpPr>
+          <p:nvPr>
+            <p:ph type="title"/>
+          </p:nvPr>
+        </p:nvSpPr>
+        <p:spPr/>
+        <p:txBody>
+          <a:bodyPr/>
+          <a:lstStyle/>
+          <a:p>
+            <a:pPr algn="ctr"/>
+            <a:r>
+              <a:rPr lang="he-IL" dirty="0">
+                <a:solidFill>
+                  <a:schemeClr val="tx2">
+                    <a:lumMod val="60000"/>
+                    <a:lumOff val="40000"/>
+                  </a:schemeClr>
+                </a:solidFill>
+                <a:cs typeface="+mn-cs"/>
+              </a:rPr>
+              <a:t>נספחים:</a:t>
+            </a:r>
+          </a:p>
+        </p:txBody>
+      </p:sp>
+      <p:pic>
+        <p:nvPicPr>
+          <p:cNvPr id="4" name="תמונה 3">
+            <a:extLst>
+              <a:ext uri="{FF2B5EF4-FFF2-40B4-BE49-F238E27FC236}">
+                <a16:creationId xmlns:a16="http://schemas.microsoft.com/office/drawing/2014/main" id="{E3CA00AA-B137-FCC1-3BEC-8A5B7BB8EEF0}"/>
+              </a:ext>
+            </a:extLst>
+          </p:cNvPr>
+          <p:cNvPicPr>
+            <a:picLocks noChangeAspect="1"/>
+          </p:cNvPicPr>
+          <p:nvPr/>
+        </p:nvPicPr>
+        <p:blipFill>
+          <a:blip r:embed="rId2"/>
+          <a:stretch>
+            <a:fillRect/>
+          </a:stretch>
+        </p:blipFill>
+        <p:spPr>
+          <a:xfrm>
+            <a:off x="9124311" y="157879"/>
+            <a:ext cx="2962913" cy="609653"/>
+          </a:xfrm>
+          <a:prstGeom prst="rect">
+            <a:avLst/>
+          </a:prstGeom>
+        </p:spPr>
+      </p:pic>
+      <p:sp>
+        <p:nvSpPr>
+          <p:cNvPr id="6" name="תיבת טקסט 5">
+            <a:extLst>
+              <a:ext uri="{FF2B5EF4-FFF2-40B4-BE49-F238E27FC236}">
+                <a16:creationId xmlns:a16="http://schemas.microsoft.com/office/drawing/2014/main" id="{B318BF4A-E3D5-BFF3-432F-516EC9BEB3B3}"/>
+              </a:ext>
+            </a:extLst>
+          </p:cNvPr>
+          <p:cNvSpPr txBox="1"/>
+          <p:nvPr/>
+        </p:nvSpPr>
+        <p:spPr>
+          <a:xfrm>
+            <a:off x="1398494" y="1757082"/>
+            <a:ext cx="9207273" cy="1477328"/>
+          </a:xfrm>
+          <a:prstGeom prst="rect">
+            <a:avLst/>
+          </a:prstGeom>
+          <a:noFill/>
+        </p:spPr>
+        <p:txBody>
+          <a:bodyPr wrap="square" rtlCol="1">
+            <a:spAutoFit/>
+          </a:bodyPr>
+          <a:lstStyle/>
+          <a:p>
+            <a:r>
+              <a:rPr lang="he-IL" sz="2400" dirty="0"/>
+              <a:t>מצורפים הנספחים הבאים: </a:t>
+            </a:r>
+          </a:p>
+          <a:p>
+            <a:pPr marL="285750" indent="-285750">
+              <a:buFont typeface="Arial" panose="020B0604020202020204" pitchFamily="34" charset="0"/>
+              <a:buChar char="•"/>
+            </a:pPr>
+            <a:r>
+              <a:rPr lang="he-IL" sz="2400" dirty="0"/>
+              <a:t>נספח א' טופס הצעה לפרויקט בתעשייה-פרקטיקום .</a:t>
+            </a:r>
+          </a:p>
+          <a:p>
+            <a:pPr marL="285750" indent="-285750">
+              <a:buFont typeface="Arial" panose="020B0604020202020204" pitchFamily="34" charset="0"/>
+              <a:buChar char="•"/>
+            </a:pPr>
+            <a:r>
+              <a:rPr lang="he-IL" sz="2400" dirty="0"/>
+              <a:t>אישור מעסיק לפרקטיקום.</a:t>
+            </a:r>
+          </a:p>
+          <a:p>
+            <a:pPr marL="285750" indent="-285750">
+              <a:buFont typeface="Arial" panose="020B0604020202020204" pitchFamily="34" charset="0"/>
+              <a:buChar char="•"/>
+            </a:pPr>
+            <a:endParaRPr lang="he-IL" dirty="0"/>
+          </a:p>
+        </p:txBody>
+      </p:sp>
+    </p:spTree>
+    <p:extLst>
+      <p:ext uri="{BB962C8B-B14F-4D97-AF65-F5344CB8AC3E}">
+        <p14:creationId xmlns:p14="http://schemas.microsoft.com/office/powerpoint/2010/main" val="3973091281"/>
       </p:ext>
     </p:extLst>
   </p:cSld>
